--- a/Training Instructions for Customs Invoice and Customer Ship Entry.pptx
+++ b/Training Instructions for Customs Invoice and Customer Ship Entry.pptx
@@ -215,7 +215,7 @@
           <a:p>
             <a:fld id="{835AA55D-9C78-4807-BDAD-EE3803B6ED75}" type="datetimeFigureOut">
               <a:rPr lang="en-US" smtClean="0"/>
-              <a:t>9/3/2015</a:t>
+              <a:t>9/10/2015</a:t>
             </a:fld>
             <a:endParaRPr lang="en-US"/>
           </a:p>
@@ -664,7 +664,7 @@
           <a:p>
             <a:fld id="{003EC9D8-67B8-43A2-98A4-B2F365C79701}" type="datetime1">
               <a:rPr lang="en-US" smtClean="0"/>
-              <a:t>9/3/2015</a:t>
+              <a:t>9/10/2015</a:t>
             </a:fld>
             <a:endParaRPr lang="en-US"/>
           </a:p>
@@ -838,7 +838,7 @@
           <a:p>
             <a:fld id="{E3277F09-6A90-4AD1-8361-E7D8A01F116F}" type="datetime1">
               <a:rPr lang="en-US" smtClean="0"/>
-              <a:t>9/3/2015</a:t>
+              <a:t>9/10/2015</a:t>
             </a:fld>
             <a:endParaRPr lang="en-US"/>
           </a:p>
@@ -1022,7 +1022,7 @@
           <a:p>
             <a:fld id="{3695A269-A8F0-4E08-A778-75BBDAD062D4}" type="datetime1">
               <a:rPr lang="en-US" smtClean="0"/>
-              <a:t>9/3/2015</a:t>
+              <a:t>9/10/2015</a:t>
             </a:fld>
             <a:endParaRPr lang="en-US"/>
           </a:p>
@@ -1196,7 +1196,7 @@
           <a:p>
             <a:fld id="{5018AEA7-D9C8-4598-950C-EF15553B7475}" type="datetime1">
               <a:rPr lang="en-US" smtClean="0"/>
-              <a:t>9/3/2015</a:t>
+              <a:t>9/10/2015</a:t>
             </a:fld>
             <a:endParaRPr lang="en-US"/>
           </a:p>
@@ -1446,7 +1446,7 @@
           <a:p>
             <a:fld id="{D89A71E3-7F29-4DCE-85BC-C748B97B4CF0}" type="datetime1">
               <a:rPr lang="en-US" smtClean="0"/>
-              <a:t>9/3/2015</a:t>
+              <a:t>9/10/2015</a:t>
             </a:fld>
             <a:endParaRPr lang="en-US"/>
           </a:p>
@@ -1738,7 +1738,7 @@
           <a:p>
             <a:fld id="{964C5B87-8543-49A1-AD06-DE3D22088F9D}" type="datetime1">
               <a:rPr lang="en-US" smtClean="0"/>
-              <a:t>9/3/2015</a:t>
+              <a:t>9/10/2015</a:t>
             </a:fld>
             <a:endParaRPr lang="en-US"/>
           </a:p>
@@ -2164,7 +2164,7 @@
           <a:p>
             <a:fld id="{FD90B568-D9FD-43EC-B22B-4FF70C410C5F}" type="datetime1">
               <a:rPr lang="en-US" smtClean="0"/>
-              <a:t>9/3/2015</a:t>
+              <a:t>9/10/2015</a:t>
             </a:fld>
             <a:endParaRPr lang="en-US"/>
           </a:p>
@@ -2286,7 +2286,7 @@
           <a:p>
             <a:fld id="{FAFF04F2-1ADE-4B80-A1AD-7E6DC93AF954}" type="datetime1">
               <a:rPr lang="en-US" smtClean="0"/>
-              <a:t>9/3/2015</a:t>
+              <a:t>9/10/2015</a:t>
             </a:fld>
             <a:endParaRPr lang="en-US"/>
           </a:p>
@@ -2385,7 +2385,7 @@
           <a:p>
             <a:fld id="{64B05BE4-2749-4588-B038-262DC53D042F}" type="datetime1">
               <a:rPr lang="en-US" smtClean="0"/>
-              <a:t>9/3/2015</a:t>
+              <a:t>9/10/2015</a:t>
             </a:fld>
             <a:endParaRPr lang="en-US"/>
           </a:p>
@@ -2666,7 +2666,7 @@
           <a:p>
             <a:fld id="{C7B7EF27-FD03-43D3-A473-2D2F9471B054}" type="datetime1">
               <a:rPr lang="en-US" smtClean="0"/>
-              <a:t>9/3/2015</a:t>
+              <a:t>9/10/2015</a:t>
             </a:fld>
             <a:endParaRPr lang="en-US"/>
           </a:p>
@@ -2923,7 +2923,7 @@
           <a:p>
             <a:fld id="{2B155F83-4047-429E-9477-5173623DD4B8}" type="datetime1">
               <a:rPr lang="en-US" smtClean="0"/>
-              <a:t>9/3/2015</a:t>
+              <a:t>9/10/2015</a:t>
             </a:fld>
             <a:endParaRPr lang="en-US"/>
           </a:p>
@@ -3140,7 +3140,7 @@
           <a:p>
             <a:fld id="{A5ABA998-FB64-4B4D-8BD9-F0327BA1998A}" type="datetime1">
               <a:rPr lang="en-US" smtClean="0"/>
-              <a:t>9/3/2015</a:t>
+              <a:t>9/10/2015</a:t>
             </a:fld>
             <a:endParaRPr lang="en-US"/>
           </a:p>
@@ -3655,19 +3655,7 @@
             </a:r>
             <a:r>
               <a:rPr lang="en-US" dirty="0" smtClean="0"/>
-              <a:t>	invoice </a:t>
-            </a:r>
-            <a:r>
-              <a:rPr lang="en-US" dirty="0" smtClean="0"/>
-              <a:t>in </a:t>
-            </a:r>
-            <a:r>
-              <a:rPr lang="en-US" dirty="0" smtClean="0"/>
-              <a:t>Epicor to have all the </a:t>
-            </a:r>
-            <a:r>
-              <a:rPr lang="en-US" dirty="0" smtClean="0"/>
-              <a:t>required info.</a:t>
+              <a:t>	invoice in Epicor to have all the required info.</a:t>
             </a:r>
             <a:endParaRPr lang="en-US" dirty="0"/>
           </a:p>
@@ -3741,7 +3729,7 @@
           <p:nvPr>
             <p:extLst>
               <p:ext uri="{D42A27DB-BD31-4B8C-83A1-F6EECF244321}">
-                <p14:modId xmlns:p14="http://schemas.microsoft.com/office/powerpoint/2010/main" val="2758888745"/>
+                <p14:modId xmlns:p14="http://schemas.microsoft.com/office/powerpoint/2010/main" val="739065348"/>
               </p:ext>
             </p:extLst>
           </p:nvPr>
@@ -4090,7 +4078,7 @@
                           <a:latin typeface="Arial"/>
                           <a:ea typeface="Times New Roman"/>
                         </a:rPr>
-                        <a:t>TRN-I-102-1</a:t>
+                        <a:t>TRN-I-111-1</a:t>
                       </a:r>
                       <a:endParaRPr lang="en-US" sz="1200" dirty="0">
                         <a:effectLst/>
@@ -4454,7 +4442,23 @@
                           <a:latin typeface="Arial"/>
                           <a:ea typeface="Times New Roman"/>
                         </a:rPr>
-                        <a:t>1 of 12</a:t>
+                        <a:t>1 </a:t>
+                      </a:r>
+                      <a:r>
+                        <a:rPr lang="en-US" sz="1100">
+                          <a:effectLst/>
+                          <a:latin typeface="Arial"/>
+                          <a:ea typeface="Times New Roman"/>
+                        </a:rPr>
+                        <a:t>of </a:t>
+                      </a:r>
+                      <a:r>
+                        <a:rPr lang="en-US" sz="1100" smtClean="0">
+                          <a:effectLst/>
+                          <a:latin typeface="Arial"/>
+                          <a:ea typeface="Times New Roman"/>
+                        </a:rPr>
+                        <a:t>8</a:t>
                       </a:r>
                       <a:endParaRPr lang="en-US" sz="1200" dirty="0">
                         <a:effectLst/>
@@ -5314,11 +5318,7 @@
             <a:pPr algn="l"/>
             <a:r>
               <a:rPr lang="en-US" dirty="0" smtClean="0"/>
-              <a:t>Before checking the ship </a:t>
-            </a:r>
-            <a:r>
-              <a:rPr lang="en-US" dirty="0" smtClean="0"/>
-              <a:t>box, make sure the following is done</a:t>
+              <a:t>Before checking the ship box, make sure the following is done</a:t>
             </a:r>
             <a:endParaRPr lang="en-US" dirty="0"/>
           </a:p>
@@ -5458,19 +5458,7 @@
           <a:p>
             <a:r>
               <a:rPr lang="en-US" dirty="0" smtClean="0"/>
-              <a:t>Ship </a:t>
-            </a:r>
-            <a:r>
-              <a:rPr lang="en-US" dirty="0" smtClean="0"/>
-              <a:t>type </a:t>
-            </a:r>
-            <a:r>
-              <a:rPr lang="en-US" dirty="0" smtClean="0"/>
-              <a:t>is </a:t>
-            </a:r>
-            <a:r>
-              <a:rPr lang="en-US" dirty="0" smtClean="0"/>
-              <a:t>updated (air, ocean, </a:t>
+              <a:t>Ship type is updated (air, ocean, </a:t>
             </a:r>
             <a:r>
               <a:rPr lang="en-US" dirty="0" err="1" smtClean="0"/>
@@ -5480,18 +5468,12 @@
               <a:rPr lang="en-US" dirty="0" smtClean="0"/>
               <a:t>)</a:t>
             </a:r>
-            <a:endParaRPr lang="en-US" dirty="0" smtClean="0"/>
           </a:p>
           <a:p>
             <a:r>
               <a:rPr lang="en-US" dirty="0" smtClean="0"/>
-              <a:t>Ship$$ is </a:t>
-            </a:r>
-            <a:r>
-              <a:rPr lang="en-US" dirty="0" smtClean="0"/>
-              <a:t>updated (prepaid, collect)</a:t>
-            </a:r>
-            <a:endParaRPr lang="en-US" dirty="0" smtClean="0"/>
+              <a:t>Ship$$ is updated (prepaid, collect)</a:t>
+            </a:r>
           </a:p>
           <a:p>
             <a:r>
